--- a/Presentation/2. DESeq2 (수정).pptx
+++ b/Presentation/2. DESeq2 (수정).pptx
@@ -28276,11 +28276,11 @@
             </a:r>
             <a:r>
               <a:rPr lang="ko-KR" altLang="en-US" sz="1800" dirty="0"/>
-              <a:t>비교군 대비 </a:t>
+              <a:t>대조군 대비 </a:t>
             </a:r>
             <a:r>
               <a:rPr lang="ko-KR" altLang="en-US" sz="1800" dirty="0" err="1"/>
-              <a:t>대조군에서</a:t>
+              <a:t>비교군에서</a:t>
             </a:r>
             <a:r>
               <a:rPr lang="ko-KR" altLang="en-US" sz="1800" dirty="0"/>
@@ -28317,11 +28317,11 @@
             </a:r>
             <a:r>
               <a:rPr lang="ko-KR" altLang="en-US" sz="1800" dirty="0"/>
-              <a:t>비교군 대비 </a:t>
+              <a:t>대조군 대비 </a:t>
             </a:r>
             <a:r>
               <a:rPr lang="ko-KR" altLang="en-US" sz="1800" dirty="0" err="1"/>
-              <a:t>대조군에서</a:t>
+              <a:t>비교군에서</a:t>
             </a:r>
             <a:r>
               <a:rPr lang="ko-KR" altLang="en-US" sz="1800" dirty="0"/>
